--- a/Presentation/Presentation.pptx
+++ b/Presentation/Presentation.pptx
@@ -313,7 +313,7 @@
           <a:p>
             <a:fld id="{35F21135-0BD8-4A97-8C81-2896936D8C4B}" type="datetimeFigureOut">
               <a:rPr lang="zh-TW" altLang="en-US" smtClean="0"/>
-              <a:t>2017/6/15</a:t>
+              <a:t>2017/6/16</a:t>
             </a:fld>
             <a:endParaRPr lang="zh-TW" altLang="en-US"/>
           </a:p>
@@ -588,7 +588,7 @@
           <a:p>
             <a:fld id="{35F21135-0BD8-4A97-8C81-2896936D8C4B}" type="datetimeFigureOut">
               <a:rPr lang="zh-TW" altLang="en-US" smtClean="0"/>
-              <a:t>2017/6/15</a:t>
+              <a:t>2017/6/16</a:t>
             </a:fld>
             <a:endParaRPr lang="zh-TW" altLang="en-US"/>
           </a:p>
@@ -782,7 +782,7 @@
           <a:p>
             <a:fld id="{35F21135-0BD8-4A97-8C81-2896936D8C4B}" type="datetimeFigureOut">
               <a:rPr lang="zh-TW" altLang="en-US" smtClean="0"/>
-              <a:t>2017/6/15</a:t>
+              <a:t>2017/6/16</a:t>
             </a:fld>
             <a:endParaRPr lang="zh-TW" altLang="en-US"/>
           </a:p>
@@ -1055,7 +1055,7 @@
           <a:p>
             <a:fld id="{35F21135-0BD8-4A97-8C81-2896936D8C4B}" type="datetimeFigureOut">
               <a:rPr lang="zh-TW" altLang="en-US" smtClean="0"/>
-              <a:t>2017/6/15</a:t>
+              <a:t>2017/6/16</a:t>
             </a:fld>
             <a:endParaRPr lang="zh-TW" altLang="en-US"/>
           </a:p>
@@ -1396,7 +1396,7 @@
           <a:p>
             <a:fld id="{35F21135-0BD8-4A97-8C81-2896936D8C4B}" type="datetimeFigureOut">
               <a:rPr lang="zh-TW" altLang="en-US" smtClean="0"/>
-              <a:t>2017/6/15</a:t>
+              <a:t>2017/6/16</a:t>
             </a:fld>
             <a:endParaRPr lang="zh-TW" altLang="en-US"/>
           </a:p>
@@ -2019,7 +2019,7 @@
           <a:p>
             <a:fld id="{35F21135-0BD8-4A97-8C81-2896936D8C4B}" type="datetimeFigureOut">
               <a:rPr lang="zh-TW" altLang="en-US" smtClean="0"/>
-              <a:t>2017/6/15</a:t>
+              <a:t>2017/6/16</a:t>
             </a:fld>
             <a:endParaRPr lang="zh-TW" altLang="en-US"/>
           </a:p>
@@ -2879,7 +2879,7 @@
           <a:p>
             <a:fld id="{35F21135-0BD8-4A97-8C81-2896936D8C4B}" type="datetimeFigureOut">
               <a:rPr lang="zh-TW" altLang="en-US" smtClean="0"/>
-              <a:t>2017/6/15</a:t>
+              <a:t>2017/6/16</a:t>
             </a:fld>
             <a:endParaRPr lang="zh-TW" altLang="en-US"/>
           </a:p>
@@ -3049,7 +3049,7 @@
           <a:p>
             <a:fld id="{35F21135-0BD8-4A97-8C81-2896936D8C4B}" type="datetimeFigureOut">
               <a:rPr lang="zh-TW" altLang="en-US" smtClean="0"/>
-              <a:t>2017/6/15</a:t>
+              <a:t>2017/6/16</a:t>
             </a:fld>
             <a:endParaRPr lang="zh-TW" altLang="en-US"/>
           </a:p>
@@ -3229,7 +3229,7 @@
           <a:p>
             <a:fld id="{35F21135-0BD8-4A97-8C81-2896936D8C4B}" type="datetimeFigureOut">
               <a:rPr lang="zh-TW" altLang="en-US" smtClean="0"/>
-              <a:t>2017/6/15</a:t>
+              <a:t>2017/6/16</a:t>
             </a:fld>
             <a:endParaRPr lang="zh-TW" altLang="en-US"/>
           </a:p>
@@ -3399,7 +3399,7 @@
           <a:p>
             <a:fld id="{35F21135-0BD8-4A97-8C81-2896936D8C4B}" type="datetimeFigureOut">
               <a:rPr lang="zh-TW" altLang="en-US" smtClean="0"/>
-              <a:t>2017/6/15</a:t>
+              <a:t>2017/6/16</a:t>
             </a:fld>
             <a:endParaRPr lang="zh-TW" altLang="en-US"/>
           </a:p>
@@ -3646,7 +3646,7 @@
           <a:p>
             <a:fld id="{35F21135-0BD8-4A97-8C81-2896936D8C4B}" type="datetimeFigureOut">
               <a:rPr lang="zh-TW" altLang="en-US" smtClean="0"/>
-              <a:t>2017/6/15</a:t>
+              <a:t>2017/6/16</a:t>
             </a:fld>
             <a:endParaRPr lang="zh-TW" altLang="en-US"/>
           </a:p>
@@ -3938,7 +3938,7 @@
           <a:p>
             <a:fld id="{35F21135-0BD8-4A97-8C81-2896936D8C4B}" type="datetimeFigureOut">
               <a:rPr lang="zh-TW" altLang="en-US" smtClean="0"/>
-              <a:t>2017/6/15</a:t>
+              <a:t>2017/6/16</a:t>
             </a:fld>
             <a:endParaRPr lang="zh-TW" altLang="en-US"/>
           </a:p>
@@ -4382,7 +4382,7 @@
           <a:p>
             <a:fld id="{35F21135-0BD8-4A97-8C81-2896936D8C4B}" type="datetimeFigureOut">
               <a:rPr lang="zh-TW" altLang="en-US" smtClean="0"/>
-              <a:t>2017/6/15</a:t>
+              <a:t>2017/6/16</a:t>
             </a:fld>
             <a:endParaRPr lang="zh-TW" altLang="en-US"/>
           </a:p>
@@ -4500,7 +4500,7 @@
           <a:p>
             <a:fld id="{35F21135-0BD8-4A97-8C81-2896936D8C4B}" type="datetimeFigureOut">
               <a:rPr lang="zh-TW" altLang="en-US" smtClean="0"/>
-              <a:t>2017/6/15</a:t>
+              <a:t>2017/6/16</a:t>
             </a:fld>
             <a:endParaRPr lang="zh-TW" altLang="en-US"/>
           </a:p>
@@ -4595,7 +4595,7 @@
           <a:p>
             <a:fld id="{35F21135-0BD8-4A97-8C81-2896936D8C4B}" type="datetimeFigureOut">
               <a:rPr lang="zh-TW" altLang="en-US" smtClean="0"/>
-              <a:t>2017/6/15</a:t>
+              <a:t>2017/6/16</a:t>
             </a:fld>
             <a:endParaRPr lang="zh-TW" altLang="en-US"/>
           </a:p>
@@ -4874,7 +4874,7 @@
           <a:p>
             <a:fld id="{35F21135-0BD8-4A97-8C81-2896936D8C4B}" type="datetimeFigureOut">
               <a:rPr lang="zh-TW" altLang="en-US" smtClean="0"/>
-              <a:t>2017/6/15</a:t>
+              <a:t>2017/6/16</a:t>
             </a:fld>
             <a:endParaRPr lang="zh-TW" altLang="en-US"/>
           </a:p>
@@ -5149,7 +5149,7 @@
           <a:p>
             <a:fld id="{35F21135-0BD8-4A97-8C81-2896936D8C4B}" type="datetimeFigureOut">
               <a:rPr lang="zh-TW" altLang="en-US" smtClean="0"/>
-              <a:t>2017/6/15</a:t>
+              <a:t>2017/6/16</a:t>
             </a:fld>
             <a:endParaRPr lang="zh-TW" altLang="en-US"/>
           </a:p>
@@ -5578,7 +5578,7 @@
           <a:p>
             <a:fld id="{35F21135-0BD8-4A97-8C81-2896936D8C4B}" type="datetimeFigureOut">
               <a:rPr lang="zh-TW" altLang="en-US" smtClean="0"/>
-              <a:t>2017/6/15</a:t>
+              <a:t>2017/6/16</a:t>
             </a:fld>
             <a:endParaRPr lang="zh-TW" altLang="en-US"/>
           </a:p>
@@ -7345,7 +7345,15 @@
           <a:p>
             <a:r>
               <a:rPr lang="en-US" altLang="zh-TW" dirty="0"/>
-              <a:t>XML-Based Database</a:t>
+              <a:t>Servlet</a:t>
+            </a:r>
+            <a:r>
+              <a:rPr lang="zh-TW" altLang="en-US" dirty="0"/>
+              <a:t> </a:t>
+            </a:r>
+            <a:r>
+              <a:rPr lang="en-US" altLang="zh-TW" dirty="0"/>
+              <a:t>Template</a:t>
             </a:r>
             <a:endParaRPr lang="zh-TW" altLang="en-US" dirty="0"/>
           </a:p>
@@ -7369,7 +7377,7 @@
         </p:nvSpPr>
         <p:spPr>
           <a:xfrm>
-            <a:off x="398462" y="1652869"/>
+            <a:off x="398462" y="1572917"/>
             <a:ext cx="8946541" cy="4195481"/>
           </a:xfrm>
         </p:spPr>
@@ -7379,29 +7387,57 @@
           <a:p>
             <a:r>
               <a:rPr lang="en-US" altLang="zh-TW" dirty="0"/>
-              <a:t>XML </a:t>
+              <a:t>Servlet</a:t>
             </a:r>
             <a:r>
               <a:rPr lang="zh-TW" altLang="en-US" dirty="0"/>
-              <a:t>提供資料 </a:t>
+              <a:t>樣板方法</a:t>
+            </a:r>
+            <a:endParaRPr lang="en-US" altLang="zh-TW" dirty="0"/>
+          </a:p>
+          <a:p>
+            <a:r>
+              <a:rPr lang="zh-TW" altLang="en-US" dirty="0"/>
+              <a:t>簡化</a:t>
             </a:r>
             <a:r>
               <a:rPr lang="en-US" altLang="zh-TW" dirty="0"/>
-              <a:t>XSL</a:t>
+              <a:t>”</a:t>
             </a:r>
             <a:r>
               <a:rPr lang="zh-TW" altLang="en-US" dirty="0"/>
-              <a:t> 轉成動態網頁</a:t>
-            </a:r>
+              <a:t>搜尋</a:t>
+            </a:r>
+            <a:r>
+              <a:rPr lang="en-US" altLang="zh-TW" dirty="0"/>
+              <a:t>Servlet”</a:t>
+            </a:r>
+          </a:p>
+          <a:p>
+            <a:r>
+              <a:rPr lang="zh-TW" altLang="en-US" dirty="0"/>
+              <a:t>提高</a:t>
+            </a:r>
+            <a:r>
+              <a:rPr lang="en-US" altLang="zh-TW" dirty="0"/>
+              <a:t>XML</a:t>
+            </a:r>
+            <a:r>
+              <a:rPr lang="zh-TW" altLang="en-US" dirty="0"/>
+              <a:t>操作之重複利用性</a:t>
+            </a:r>
+          </a:p>
+          <a:p>
+            <a:endParaRPr lang="zh-TW" altLang="en-US" dirty="0"/>
           </a:p>
         </p:txBody>
       </p:sp>
       <p:pic>
         <p:nvPicPr>
-          <p:cNvPr id="6" name="內容版面配置區 3">
+          <p:cNvPr id="8" name="圖片 7">
             <a:extLst>
               <a:ext uri="{FF2B5EF4-FFF2-40B4-BE49-F238E27FC236}">
-                <a16:creationId xmlns:a16="http://schemas.microsoft.com/office/drawing/2014/main" id="{4FEDA955-FEEC-468D-A0D2-9BF4CE842036}"/>
+                <a16:creationId xmlns:a16="http://schemas.microsoft.com/office/drawing/2014/main" id="{7734015E-A870-498B-8354-3B090DD540C0}"/>
               </a:ext>
             </a:extLst>
           </p:cNvPr>
@@ -7418,50 +7454,104 @@
         </p:blipFill>
         <p:spPr>
           <a:xfrm>
-            <a:off x="293688" y="3013646"/>
-            <a:ext cx="11541298" cy="2834704"/>
+            <a:off x="1995487" y="3162300"/>
+            <a:ext cx="8201025" cy="2228850"/>
           </a:xfrm>
           <a:prstGeom prst="rect">
             <a:avLst/>
           </a:prstGeom>
         </p:spPr>
       </p:pic>
-      <p:sp>
-        <p:nvSpPr>
-          <p:cNvPr id="7" name="文字方塊 6">
+      <p:pic>
+        <p:nvPicPr>
+          <p:cNvPr id="9" name="圖片 8">
             <a:extLst>
               <a:ext uri="{FF2B5EF4-FFF2-40B4-BE49-F238E27FC236}">
-                <a16:creationId xmlns:a16="http://schemas.microsoft.com/office/drawing/2014/main" id="{18FF0E2A-1766-454D-A922-FE52704D4D16}"/>
+                <a16:creationId xmlns:a16="http://schemas.microsoft.com/office/drawing/2014/main" id="{DE774440-8C0A-401B-A921-7610195E92B2}"/>
               </a:ext>
             </a:extLst>
           </p:cNvPr>
-          <p:cNvSpPr txBox="1"/>
+          <p:cNvPicPr>
+            <a:picLocks noChangeAspect="1"/>
+          </p:cNvPicPr>
           <p:nvPr/>
-        </p:nvSpPr>
+        </p:nvPicPr>
+        <p:blipFill>
+          <a:blip r:embed="rId3"/>
+          <a:stretch>
+            <a:fillRect/>
+          </a:stretch>
+        </p:blipFill>
         <p:spPr>
           <a:xfrm>
-            <a:off x="398462" y="2495550"/>
-            <a:ext cx="772969" cy="369332"/>
+            <a:off x="5535493" y="690562"/>
+            <a:ext cx="4162425" cy="2181225"/>
           </a:xfrm>
           <a:prstGeom prst="rect">
             <a:avLst/>
           </a:prstGeom>
-          <a:noFill/>
         </p:spPr>
-        <p:txBody>
-          <a:bodyPr wrap="none" rtlCol="0">
-            <a:spAutoFit/>
-          </a:bodyPr>
-          <a:lstStyle/>
-          <a:p>
-            <a:r>
-              <a:rPr lang="en-US" altLang="zh-TW" dirty="0"/>
-              <a:t>XML: </a:t>
-            </a:r>
-            <a:endParaRPr lang="zh-TW" altLang="en-US" dirty="0"/>
-          </a:p>
-        </p:txBody>
-      </p:sp>
+      </p:pic>
+      <p:pic>
+        <p:nvPicPr>
+          <p:cNvPr id="10" name="圖片 9">
+            <a:extLst>
+              <a:ext uri="{FF2B5EF4-FFF2-40B4-BE49-F238E27FC236}">
+                <a16:creationId xmlns:a16="http://schemas.microsoft.com/office/drawing/2014/main" id="{19B2E3A5-F597-4413-B768-A982BB6E65EA}"/>
+              </a:ext>
+            </a:extLst>
+          </p:cNvPr>
+          <p:cNvPicPr>
+            <a:picLocks noChangeAspect="1"/>
+          </p:cNvPicPr>
+          <p:nvPr/>
+        </p:nvPicPr>
+        <p:blipFill>
+          <a:blip r:embed="rId4"/>
+          <a:stretch>
+            <a:fillRect/>
+          </a:stretch>
+        </p:blipFill>
+        <p:spPr>
+          <a:xfrm>
+            <a:off x="3330455" y="2443162"/>
+            <a:ext cx="4410075" cy="3400425"/>
+          </a:xfrm>
+          <a:prstGeom prst="rect">
+            <a:avLst/>
+          </a:prstGeom>
+        </p:spPr>
+      </p:pic>
+      <p:pic>
+        <p:nvPicPr>
+          <p:cNvPr id="11" name="圖片 10">
+            <a:extLst>
+              <a:ext uri="{FF2B5EF4-FFF2-40B4-BE49-F238E27FC236}">
+                <a16:creationId xmlns:a16="http://schemas.microsoft.com/office/drawing/2014/main" id="{E6B07F7F-A40B-4AF4-832F-DF9EAA1F0DE5}"/>
+              </a:ext>
+            </a:extLst>
+          </p:cNvPr>
+          <p:cNvPicPr>
+            <a:picLocks noChangeAspect="1"/>
+          </p:cNvPicPr>
+          <p:nvPr/>
+        </p:nvPicPr>
+        <p:blipFill>
+          <a:blip r:embed="rId5"/>
+          <a:stretch>
+            <a:fillRect/>
+          </a:stretch>
+        </p:blipFill>
+        <p:spPr>
+          <a:xfrm>
+            <a:off x="422274" y="3443662"/>
+            <a:ext cx="11401425" cy="1004531"/>
+          </a:xfrm>
+          <a:prstGeom prst="rect">
+            <a:avLst/>
+          </a:prstGeom>
+        </p:spPr>
+      </p:pic>
     </p:spTree>
     <p:extLst>
       <p:ext uri="{BB962C8B-B14F-4D97-AF65-F5344CB8AC3E}">
@@ -7472,6 +7562,248 @@
   <p:clrMapOvr>
     <a:masterClrMapping/>
   </p:clrMapOvr>
+  <p:timing>
+    <p:tnLst>
+      <p:par>
+        <p:cTn id="1" dur="indefinite" restart="never" nodeType="tmRoot">
+          <p:childTnLst>
+            <p:seq concurrent="1" nextAc="seek">
+              <p:cTn id="2" dur="indefinite" nodeType="mainSeq">
+                <p:childTnLst>
+                  <p:par>
+                    <p:cTn id="3" fill="hold">
+                      <p:stCondLst>
+                        <p:cond delay="indefinite"/>
+                      </p:stCondLst>
+                      <p:childTnLst>
+                        <p:par>
+                          <p:cTn id="4" fill="hold">
+                            <p:stCondLst>
+                              <p:cond delay="0"/>
+                            </p:stCondLst>
+                            <p:childTnLst>
+                              <p:par>
+                                <p:cTn id="5" presetID="10" presetClass="entr" presetSubtype="0" fill="hold" nodeType="clickEffect">
+                                  <p:stCondLst>
+                                    <p:cond delay="0"/>
+                                  </p:stCondLst>
+                                  <p:childTnLst>
+                                    <p:set>
+                                      <p:cBhvr>
+                                        <p:cTn id="6" dur="1" fill="hold">
+                                          <p:stCondLst>
+                                            <p:cond delay="0"/>
+                                          </p:stCondLst>
+                                        </p:cTn>
+                                        <p:tgtEl>
+                                          <p:spTgt spid="8"/>
+                                        </p:tgtEl>
+                                        <p:attrNameLst>
+                                          <p:attrName>style.visibility</p:attrName>
+                                        </p:attrNameLst>
+                                      </p:cBhvr>
+                                      <p:to>
+                                        <p:strVal val="visible"/>
+                                      </p:to>
+                                    </p:set>
+                                    <p:animEffect transition="in" filter="fade">
+                                      <p:cBhvr>
+                                        <p:cTn id="7" dur="500"/>
+                                        <p:tgtEl>
+                                          <p:spTgt spid="8"/>
+                                        </p:tgtEl>
+                                      </p:cBhvr>
+                                    </p:animEffect>
+                                  </p:childTnLst>
+                                </p:cTn>
+                              </p:par>
+                            </p:childTnLst>
+                          </p:cTn>
+                        </p:par>
+                      </p:childTnLst>
+                    </p:cTn>
+                  </p:par>
+                  <p:par>
+                    <p:cTn id="8" fill="hold">
+                      <p:stCondLst>
+                        <p:cond delay="indefinite"/>
+                      </p:stCondLst>
+                      <p:childTnLst>
+                        <p:par>
+                          <p:cTn id="9" fill="hold">
+                            <p:stCondLst>
+                              <p:cond delay="0"/>
+                            </p:stCondLst>
+                            <p:childTnLst>
+                              <p:par>
+                                <p:cTn id="10" presetID="10" presetClass="entr" presetSubtype="0" fill="hold" nodeType="clickEffect">
+                                  <p:stCondLst>
+                                    <p:cond delay="0"/>
+                                  </p:stCondLst>
+                                  <p:childTnLst>
+                                    <p:set>
+                                      <p:cBhvr>
+                                        <p:cTn id="11" dur="1" fill="hold">
+                                          <p:stCondLst>
+                                            <p:cond delay="0"/>
+                                          </p:stCondLst>
+                                        </p:cTn>
+                                        <p:tgtEl>
+                                          <p:spTgt spid="9"/>
+                                        </p:tgtEl>
+                                        <p:attrNameLst>
+                                          <p:attrName>style.visibility</p:attrName>
+                                        </p:attrNameLst>
+                                      </p:cBhvr>
+                                      <p:to>
+                                        <p:strVal val="visible"/>
+                                      </p:to>
+                                    </p:set>
+                                    <p:animEffect transition="in" filter="fade">
+                                      <p:cBhvr>
+                                        <p:cTn id="12" dur="500"/>
+                                        <p:tgtEl>
+                                          <p:spTgt spid="9"/>
+                                        </p:tgtEl>
+                                      </p:cBhvr>
+                                    </p:animEffect>
+                                  </p:childTnLst>
+                                </p:cTn>
+                              </p:par>
+                            </p:childTnLst>
+                          </p:cTn>
+                        </p:par>
+                      </p:childTnLst>
+                    </p:cTn>
+                  </p:par>
+                  <p:par>
+                    <p:cTn id="13" fill="hold">
+                      <p:stCondLst>
+                        <p:cond delay="indefinite"/>
+                      </p:stCondLst>
+                      <p:childTnLst>
+                        <p:par>
+                          <p:cTn id="14" fill="hold">
+                            <p:stCondLst>
+                              <p:cond delay="0"/>
+                            </p:stCondLst>
+                            <p:childTnLst>
+                              <p:par>
+                                <p:cTn id="15" presetID="10" presetClass="entr" presetSubtype="0" fill="hold" nodeType="clickEffect">
+                                  <p:stCondLst>
+                                    <p:cond delay="0"/>
+                                  </p:stCondLst>
+                                  <p:childTnLst>
+                                    <p:set>
+                                      <p:cBhvr>
+                                        <p:cTn id="16" dur="1" fill="hold">
+                                          <p:stCondLst>
+                                            <p:cond delay="0"/>
+                                          </p:stCondLst>
+                                        </p:cTn>
+                                        <p:tgtEl>
+                                          <p:spTgt spid="10"/>
+                                        </p:tgtEl>
+                                        <p:attrNameLst>
+                                          <p:attrName>style.visibility</p:attrName>
+                                        </p:attrNameLst>
+                                      </p:cBhvr>
+                                      <p:to>
+                                        <p:strVal val="visible"/>
+                                      </p:to>
+                                    </p:set>
+                                    <p:animEffect transition="in" filter="fade">
+                                      <p:cBhvr>
+                                        <p:cTn id="17" dur="500"/>
+                                        <p:tgtEl>
+                                          <p:spTgt spid="10"/>
+                                        </p:tgtEl>
+                                      </p:cBhvr>
+                                    </p:animEffect>
+                                  </p:childTnLst>
+                                </p:cTn>
+                              </p:par>
+                            </p:childTnLst>
+                          </p:cTn>
+                        </p:par>
+                      </p:childTnLst>
+                    </p:cTn>
+                  </p:par>
+                  <p:par>
+                    <p:cTn id="18" fill="hold">
+                      <p:stCondLst>
+                        <p:cond delay="indefinite"/>
+                      </p:stCondLst>
+                      <p:childTnLst>
+                        <p:par>
+                          <p:cTn id="19" fill="hold">
+                            <p:stCondLst>
+                              <p:cond delay="0"/>
+                            </p:stCondLst>
+                            <p:childTnLst>
+                              <p:par>
+                                <p:cTn id="20" presetID="10" presetClass="entr" presetSubtype="0" fill="hold" nodeType="clickEffect">
+                                  <p:stCondLst>
+                                    <p:cond delay="0"/>
+                                  </p:stCondLst>
+                                  <p:childTnLst>
+                                    <p:set>
+                                      <p:cBhvr>
+                                        <p:cTn id="21" dur="1" fill="hold">
+                                          <p:stCondLst>
+                                            <p:cond delay="0"/>
+                                          </p:stCondLst>
+                                        </p:cTn>
+                                        <p:tgtEl>
+                                          <p:spTgt spid="11"/>
+                                        </p:tgtEl>
+                                        <p:attrNameLst>
+                                          <p:attrName>style.visibility</p:attrName>
+                                        </p:attrNameLst>
+                                      </p:cBhvr>
+                                      <p:to>
+                                        <p:strVal val="visible"/>
+                                      </p:to>
+                                    </p:set>
+                                    <p:animEffect transition="in" filter="fade">
+                                      <p:cBhvr>
+                                        <p:cTn id="22" dur="500"/>
+                                        <p:tgtEl>
+                                          <p:spTgt spid="11"/>
+                                        </p:tgtEl>
+                                      </p:cBhvr>
+                                    </p:animEffect>
+                                  </p:childTnLst>
+                                </p:cTn>
+                              </p:par>
+                            </p:childTnLst>
+                          </p:cTn>
+                        </p:par>
+                      </p:childTnLst>
+                    </p:cTn>
+                  </p:par>
+                </p:childTnLst>
+              </p:cTn>
+              <p:prevCondLst>
+                <p:cond evt="onPrev" delay="0">
+                  <p:tgtEl>
+                    <p:sldTgt/>
+                  </p:tgtEl>
+                </p:cond>
+              </p:prevCondLst>
+              <p:nextCondLst>
+                <p:cond evt="onNext" delay="0">
+                  <p:tgtEl>
+                    <p:sldTgt/>
+                  </p:tgtEl>
+                </p:cond>
+              </p:nextCondLst>
+            </p:seq>
+          </p:childTnLst>
+        </p:cTn>
+      </p:par>
+    </p:tnLst>
+  </p:timing>
 </p:sld>
 </file>
 
@@ -7737,6 +8069,36 @@
           <a:xfrm>
             <a:off x="999979" y="2648484"/>
             <a:ext cx="10074539" cy="2025294"/>
+          </a:xfrm>
+          <a:prstGeom prst="rect">
+            <a:avLst/>
+          </a:prstGeom>
+        </p:spPr>
+      </p:pic>
+      <p:pic>
+        <p:nvPicPr>
+          <p:cNvPr id="5" name="圖片 4">
+            <a:extLst>
+              <a:ext uri="{FF2B5EF4-FFF2-40B4-BE49-F238E27FC236}">
+                <a16:creationId xmlns:a16="http://schemas.microsoft.com/office/drawing/2014/main" id="{FF44ACC7-FDEA-4BC0-9082-E934434340E8}"/>
+              </a:ext>
+            </a:extLst>
+          </p:cNvPr>
+          <p:cNvPicPr>
+            <a:picLocks noChangeAspect="1"/>
+          </p:cNvPicPr>
+          <p:nvPr/>
+        </p:nvPicPr>
+        <p:blipFill>
+          <a:blip r:embed="rId3"/>
+          <a:stretch>
+            <a:fillRect/>
+          </a:stretch>
+        </p:blipFill>
+        <p:spPr>
+          <a:xfrm>
+            <a:off x="10198218" y="4892097"/>
+            <a:ext cx="1752600" cy="1733550"/>
           </a:xfrm>
           <a:prstGeom prst="rect">
             <a:avLst/>
